--- a/IR_Controller/documents/学習コントローラ製作手順書.pptx
+++ b/IR_Controller/documents/学習コントローラ製作手順書.pptx
@@ -5776,7 +5776,7 @@
           <a:p>
             <a:fld id="{D9066C4A-9553-4875-A636-A5B886941421}" type="datetimeFigureOut">
               <a:rPr kumimoji="1" lang="ja-JP" altLang="en-US" smtClean="0"/>
-              <a:t>2016/7/16</a:t>
+              <a:t>2016/7/19</a:t>
             </a:fld>
             <a:endParaRPr kumimoji="1" lang="ja-JP" altLang="en-US" dirty="0"/>
           </a:p>
@@ -5941,7 +5941,7 @@
           <a:p>
             <a:fld id="{2F80D045-DCE3-4F9B-8057-FB65F19AB2CA}" type="datetimeFigureOut">
               <a:rPr kumimoji="1" lang="ja-JP" altLang="en-US" smtClean="0"/>
-              <a:t>2016/7/16</a:t>
+              <a:t>2016/7/19</a:t>
             </a:fld>
             <a:endParaRPr kumimoji="1" lang="ja-JP" altLang="en-US" dirty="0"/>
           </a:p>
@@ -6811,7 +6811,7 @@
           <a:p>
             <a:fld id="{ECE65BE9-CC40-4B5F-BA71-8D4E44902C32}" type="datetime1">
               <a:rPr kumimoji="1" lang="ja-JP" altLang="en-US" smtClean="0"/>
-              <a:t>2016/7/16</a:t>
+              <a:t>2016/7/19</a:t>
             </a:fld>
             <a:endParaRPr kumimoji="1" lang="ja-JP" altLang="en-US" dirty="0"/>
           </a:p>
@@ -7030,7 +7030,7 @@
           <a:p>
             <a:fld id="{61131EC8-8948-4E5B-BA22-CB6F3CBC55CB}" type="datetime1">
               <a:rPr kumimoji="1" lang="ja-JP" altLang="en-US" smtClean="0"/>
-              <a:t>2016/7/16</a:t>
+              <a:t>2016/7/19</a:t>
             </a:fld>
             <a:endParaRPr kumimoji="1" lang="ja-JP" altLang="en-US" dirty="0"/>
           </a:p>
@@ -7246,7 +7246,7 @@
           <a:p>
             <a:fld id="{5EA7F44D-35A1-49A5-ADE7-00C488F8FD90}" type="datetime1">
               <a:rPr kumimoji="1" lang="ja-JP" altLang="en-US" smtClean="0"/>
-              <a:t>2016/7/16</a:t>
+              <a:t>2016/7/19</a:t>
             </a:fld>
             <a:endParaRPr kumimoji="1" lang="ja-JP" altLang="en-US" dirty="0"/>
           </a:p>
@@ -7448,7 +7448,7 @@
           <a:p>
             <a:fld id="{C01E6711-8F99-487D-8005-FE6EF0D07C7E}" type="datetime1">
               <a:rPr kumimoji="1" lang="ja-JP" altLang="en-US" smtClean="0"/>
-              <a:t>2016/7/16</a:t>
+              <a:t>2016/7/19</a:t>
             </a:fld>
             <a:endParaRPr kumimoji="1" lang="ja-JP" altLang="en-US" dirty="0"/>
           </a:p>
@@ -7814,7 +7814,7 @@
           <a:p>
             <a:fld id="{C5894C40-AA44-4863-B3C8-EB67052C6901}" type="datetime1">
               <a:rPr kumimoji="1" lang="ja-JP" altLang="en-US" smtClean="0"/>
-              <a:t>2016/7/16</a:t>
+              <a:t>2016/7/19</a:t>
             </a:fld>
             <a:endParaRPr kumimoji="1" lang="ja-JP" altLang="en-US" dirty="0"/>
           </a:p>
@@ -8260,7 +8260,7 @@
           <a:p>
             <a:fld id="{1A585076-3F0E-4BA6-B9F6-5CCEE0C2E188}" type="datetime1">
               <a:rPr kumimoji="1" lang="ja-JP" altLang="en-US" smtClean="0"/>
-              <a:t>2016/7/16</a:t>
+              <a:t>2016/7/19</a:t>
             </a:fld>
             <a:endParaRPr kumimoji="1" lang="ja-JP" altLang="en-US" dirty="0"/>
           </a:p>
@@ -8780,7 +8780,7 @@
           <a:p>
             <a:fld id="{F5CB6AE4-D4CC-4AC9-9D15-FA4FF4587367}" type="datetime1">
               <a:rPr kumimoji="1" lang="ja-JP" altLang="en-US" smtClean="0"/>
-              <a:t>2016/7/16</a:t>
+              <a:t>2016/7/19</a:t>
             </a:fld>
             <a:endParaRPr kumimoji="1" lang="ja-JP" altLang="en-US" dirty="0"/>
           </a:p>
@@ -8926,7 +8926,7 @@
           <a:p>
             <a:fld id="{46E892D2-3336-42E1-BA41-980AC6F64DD4}" type="datetime1">
               <a:rPr kumimoji="1" lang="ja-JP" altLang="en-US" smtClean="0"/>
-              <a:t>2016/7/16</a:t>
+              <a:t>2016/7/19</a:t>
             </a:fld>
             <a:endParaRPr kumimoji="1" lang="ja-JP" altLang="en-US" dirty="0"/>
           </a:p>
@@ -9066,7 +9066,7 @@
           <a:p>
             <a:fld id="{BFB8267B-3C8E-459D-9727-99A344169DA2}" type="datetime1">
               <a:rPr kumimoji="1" lang="ja-JP" altLang="en-US" smtClean="0"/>
-              <a:t>2016/7/16</a:t>
+              <a:t>2016/7/19</a:t>
             </a:fld>
             <a:endParaRPr kumimoji="1" lang="ja-JP" altLang="en-US" dirty="0"/>
           </a:p>
@@ -9539,7 +9539,7 @@
           <a:p>
             <a:fld id="{8941F39E-74D5-4E9F-BD8E-E1A9FCE2F891}" type="datetime1">
               <a:rPr kumimoji="1" lang="ja-JP" altLang="en-US" smtClean="0"/>
-              <a:t>2016/7/16</a:t>
+              <a:t>2016/7/19</a:t>
             </a:fld>
             <a:endParaRPr kumimoji="1" lang="ja-JP" altLang="en-US" dirty="0"/>
           </a:p>
@@ -9966,7 +9966,7 @@
           <a:p>
             <a:fld id="{2D320590-A5DF-4B05-BBED-6EA1004F0DF5}" type="datetime1">
               <a:rPr kumimoji="1" lang="ja-JP" altLang="en-US" smtClean="0"/>
-              <a:t>2016/7/16</a:t>
+              <a:t>2016/7/19</a:t>
             </a:fld>
             <a:endParaRPr kumimoji="1" lang="ja-JP" altLang="en-US" dirty="0"/>
           </a:p>
@@ -10283,7 +10283,7 @@
           <a:p>
             <a:fld id="{96FEBB75-4A4C-459D-9DBD-946B99F91766}" type="datetime1">
               <a:rPr kumimoji="1" lang="ja-JP" altLang="en-US" smtClean="0"/>
-              <a:t>2016/7/16</a:t>
+              <a:t>2016/7/19</a:t>
             </a:fld>
             <a:endParaRPr kumimoji="1" lang="ja-JP" altLang="en-US" dirty="0"/>
           </a:p>
@@ -10829,7 +10829,7 @@
         <p:spPr>
           <a:xfrm>
             <a:off x="601789" y="6453823"/>
-            <a:ext cx="4438841" cy="1545336"/>
+            <a:ext cx="4998911" cy="1545336"/>
           </a:xfrm>
         </p:spPr>
         <p:txBody>
@@ -10857,6 +10857,30 @@
             <a:r>
               <a:rPr kumimoji="1" lang="ja-JP" altLang="en-US" dirty="0" err="1" smtClean="0"/>
               <a:t>，</a:t>
+            </a:r>
+            <a:r>
+              <a:rPr kumimoji="1" lang="en-US" altLang="ja-JP" dirty="0" smtClean="0"/>
+              <a:t>Shinya </a:t>
+            </a:r>
+            <a:r>
+              <a:rPr kumimoji="1" lang="en-US" altLang="ja-JP" dirty="0" err="1" smtClean="0"/>
+              <a:t>Moroyu</a:t>
+            </a:r>
+            <a:r>
+              <a:rPr kumimoji="1" lang="ja-JP" altLang="en-US" dirty="0" err="1" smtClean="0"/>
+              <a:t>，</a:t>
+            </a:r>
+            <a:r>
+              <a:rPr kumimoji="1" lang="en-US" altLang="ja-JP" dirty="0" err="1" smtClean="0"/>
+              <a:t>Kousuke</a:t>
+            </a:r>
+            <a:r>
+              <a:rPr kumimoji="1" lang="en-US" altLang="ja-JP" dirty="0" smtClean="0"/>
+              <a:t> </a:t>
+            </a:r>
+            <a:r>
+              <a:rPr kumimoji="1" lang="en-US" altLang="ja-JP" dirty="0" err="1" smtClean="0"/>
+              <a:t>Katou</a:t>
             </a:r>
             <a:endParaRPr kumimoji="1" lang="en-US" altLang="ja-JP" dirty="0" smtClean="0"/>
           </a:p>
@@ -22118,14 +22142,7 @@
                 <a:latin typeface="ＭＳ 明朝" panose="02020609040205080304" pitchFamily="17" charset="-128"/>
                 <a:ea typeface="ＭＳ 明朝" panose="02020609040205080304" pitchFamily="17" charset="-128"/>
               </a:rPr>
-              <a:t>だけ</a:t>
-            </a:r>
-            <a:r>
-              <a:rPr lang="ja-JP" altLang="en-US" sz="1400" smtClean="0">
-                <a:latin typeface="ＭＳ 明朝" panose="02020609040205080304" pitchFamily="17" charset="-128"/>
-                <a:ea typeface="ＭＳ 明朝" panose="02020609040205080304" pitchFamily="17" charset="-128"/>
-              </a:rPr>
-              <a:t>で</a:t>
+              <a:t>だけで</a:t>
             </a:r>
             <a:r>
               <a:rPr lang="ja-JP" altLang="en-US" sz="1400">
